--- a/assets/FAISS/Illustrations.pptx
+++ b/assets/FAISS/Illustrations.pptx
@@ -7,6 +7,7 @@
   <p:sldIdLst>
     <p:sldId id="256" r:id="rId2"/>
     <p:sldId id="257" r:id="rId3"/>
+    <p:sldId id="258" r:id="rId4"/>
   </p:sldIdLst>
   <p:sldSz cx="12192000" cy="6858000"/>
   <p:notesSz cx="6858000" cy="9144000"/>
@@ -6518,6 +6519,1182 @@
 </p:sld>
 </file>
 
+<file path=ppt/slides/slide3.xml><?xml version="1.0" encoding="utf-8"?>
+<p:sld xmlns:a="http://schemas.openxmlformats.org/drawingml/2006/main" xmlns:r="http://schemas.openxmlformats.org/officeDocument/2006/relationships" xmlns:p="http://schemas.openxmlformats.org/presentationml/2006/main">
+  <p:cSld>
+    <p:spTree>
+      <p:nvGrpSpPr>
+        <p:cNvPr id="1" name=""/>
+        <p:cNvGrpSpPr/>
+        <p:nvPr/>
+      </p:nvGrpSpPr>
+      <p:grpSpPr>
+        <a:xfrm>
+          <a:off x="0" y="0"/>
+          <a:ext cx="0" cy="0"/>
+          <a:chOff x="0" y="0"/>
+          <a:chExt cx="0" cy="0"/>
+        </a:xfrm>
+      </p:grpSpPr>
+      <p:cxnSp>
+        <p:nvCxnSpPr>
+          <p:cNvPr id="4" name="Straight Connector 3"/>
+          <p:cNvCxnSpPr/>
+          <p:nvPr/>
+        </p:nvCxnSpPr>
+        <p:spPr>
+          <a:xfrm>
+            <a:off x="2689445" y="1117631"/>
+            <a:ext cx="0" cy="4949794"/>
+          </a:xfrm>
+          <a:prstGeom prst="line">
+            <a:avLst/>
+          </a:prstGeom>
+          <a:ln w="19050">
+            <a:solidFill>
+              <a:schemeClr val="tx1">
+                <a:lumMod val="65000"/>
+                <a:lumOff val="35000"/>
+              </a:schemeClr>
+            </a:solidFill>
+          </a:ln>
+        </p:spPr>
+        <p:style>
+          <a:lnRef idx="1">
+            <a:schemeClr val="accent1"/>
+          </a:lnRef>
+          <a:fillRef idx="0">
+            <a:schemeClr val="accent1"/>
+          </a:fillRef>
+          <a:effectRef idx="0">
+            <a:schemeClr val="accent1"/>
+          </a:effectRef>
+          <a:fontRef idx="minor">
+            <a:schemeClr val="tx1"/>
+          </a:fontRef>
+        </p:style>
+      </p:cxnSp>
+      <p:cxnSp>
+        <p:nvCxnSpPr>
+          <p:cNvPr id="5" name="Straight Connector 4"/>
+          <p:cNvCxnSpPr/>
+          <p:nvPr/>
+        </p:nvCxnSpPr>
+        <p:spPr>
+          <a:xfrm>
+            <a:off x="2407845" y="3444372"/>
+            <a:ext cx="3032910" cy="0"/>
+          </a:xfrm>
+          <a:prstGeom prst="line">
+            <a:avLst/>
+          </a:prstGeom>
+          <a:ln w="19050">
+            <a:solidFill>
+              <a:schemeClr val="tx1">
+                <a:lumMod val="65000"/>
+                <a:lumOff val="35000"/>
+              </a:schemeClr>
+            </a:solidFill>
+          </a:ln>
+        </p:spPr>
+        <p:style>
+          <a:lnRef idx="1">
+            <a:schemeClr val="accent1"/>
+          </a:lnRef>
+          <a:fillRef idx="0">
+            <a:schemeClr val="accent1"/>
+          </a:fillRef>
+          <a:effectRef idx="0">
+            <a:schemeClr val="accent1"/>
+          </a:effectRef>
+          <a:fontRef idx="minor">
+            <a:schemeClr val="tx1"/>
+          </a:fontRef>
+        </p:style>
+      </p:cxnSp>
+      <p:sp>
+        <p:nvSpPr>
+          <p:cNvPr id="6" name="Oval 5"/>
+          <p:cNvSpPr/>
+          <p:nvPr/>
+        </p:nvSpPr>
+        <p:spPr>
+          <a:xfrm>
+            <a:off x="3445411" y="1670239"/>
+            <a:ext cx="63374" cy="63374"/>
+          </a:xfrm>
+          <a:prstGeom prst="ellipse">
+            <a:avLst/>
+          </a:prstGeom>
+        </p:spPr>
+        <p:style>
+          <a:lnRef idx="2">
+            <a:schemeClr val="accent1">
+              <a:shade val="50000"/>
+            </a:schemeClr>
+          </a:lnRef>
+          <a:fillRef idx="1">
+            <a:schemeClr val="accent1"/>
+          </a:fillRef>
+          <a:effectRef idx="0">
+            <a:schemeClr val="accent1"/>
+          </a:effectRef>
+          <a:fontRef idx="minor">
+            <a:schemeClr val="lt1"/>
+          </a:fontRef>
+        </p:style>
+        <p:txBody>
+          <a:bodyPr rtlCol="0" anchor="ctr"/>
+          <a:lstStyle/>
+          <a:p>
+            <a:pPr algn="ctr"/>
+            <a:endParaRPr lang="en-US"/>
+          </a:p>
+        </p:txBody>
+      </p:sp>
+      <p:sp>
+        <p:nvSpPr>
+          <p:cNvPr id="7" name="Oval 6"/>
+          <p:cNvSpPr/>
+          <p:nvPr/>
+        </p:nvSpPr>
+        <p:spPr>
+          <a:xfrm>
+            <a:off x="4823800" y="2339441"/>
+            <a:ext cx="63374" cy="63374"/>
+          </a:xfrm>
+          <a:prstGeom prst="ellipse">
+            <a:avLst/>
+          </a:prstGeom>
+        </p:spPr>
+        <p:style>
+          <a:lnRef idx="2">
+            <a:schemeClr val="accent1">
+              <a:shade val="50000"/>
+            </a:schemeClr>
+          </a:lnRef>
+          <a:fillRef idx="1">
+            <a:schemeClr val="accent1"/>
+          </a:fillRef>
+          <a:effectRef idx="0">
+            <a:schemeClr val="accent1"/>
+          </a:effectRef>
+          <a:fontRef idx="minor">
+            <a:schemeClr val="lt1"/>
+          </a:fontRef>
+        </p:style>
+        <p:txBody>
+          <a:bodyPr rtlCol="0" anchor="ctr"/>
+          <a:lstStyle/>
+          <a:p>
+            <a:pPr algn="ctr"/>
+            <a:endParaRPr lang="en-US"/>
+          </a:p>
+        </p:txBody>
+      </p:sp>
+      <p:sp>
+        <p:nvSpPr>
+          <p:cNvPr id="8" name="Oval 7"/>
+          <p:cNvSpPr/>
+          <p:nvPr/>
+        </p:nvSpPr>
+        <p:spPr>
+          <a:xfrm>
+            <a:off x="3782652" y="2789850"/>
+            <a:ext cx="63374" cy="63374"/>
+          </a:xfrm>
+          <a:prstGeom prst="ellipse">
+            <a:avLst/>
+          </a:prstGeom>
+        </p:spPr>
+        <p:style>
+          <a:lnRef idx="2">
+            <a:schemeClr val="accent1">
+              <a:shade val="50000"/>
+            </a:schemeClr>
+          </a:lnRef>
+          <a:fillRef idx="1">
+            <a:schemeClr val="accent1"/>
+          </a:fillRef>
+          <a:effectRef idx="0">
+            <a:schemeClr val="accent1"/>
+          </a:effectRef>
+          <a:fontRef idx="minor">
+            <a:schemeClr val="lt1"/>
+          </a:fontRef>
+        </p:style>
+        <p:txBody>
+          <a:bodyPr rtlCol="0" anchor="ctr"/>
+          <a:lstStyle/>
+          <a:p>
+            <a:pPr algn="ctr"/>
+            <a:endParaRPr lang="en-US"/>
+          </a:p>
+        </p:txBody>
+      </p:sp>
+      <p:sp>
+        <p:nvSpPr>
+          <p:cNvPr id="9" name="Oval 8"/>
+          <p:cNvSpPr/>
+          <p:nvPr/>
+        </p:nvSpPr>
+        <p:spPr>
+          <a:xfrm>
+            <a:off x="3517273" y="2407405"/>
+            <a:ext cx="63374" cy="63374"/>
+          </a:xfrm>
+          <a:prstGeom prst="ellipse">
+            <a:avLst/>
+          </a:prstGeom>
+        </p:spPr>
+        <p:style>
+          <a:lnRef idx="2">
+            <a:schemeClr val="accent1">
+              <a:shade val="50000"/>
+            </a:schemeClr>
+          </a:lnRef>
+          <a:fillRef idx="1">
+            <a:schemeClr val="accent1"/>
+          </a:fillRef>
+          <a:effectRef idx="0">
+            <a:schemeClr val="accent1"/>
+          </a:effectRef>
+          <a:fontRef idx="minor">
+            <a:schemeClr val="lt1"/>
+          </a:fontRef>
+        </p:style>
+        <p:txBody>
+          <a:bodyPr rtlCol="0" anchor="ctr"/>
+          <a:lstStyle/>
+          <a:p>
+            <a:pPr algn="ctr"/>
+            <a:endParaRPr lang="en-US"/>
+          </a:p>
+        </p:txBody>
+      </p:sp>
+      <p:sp>
+        <p:nvSpPr>
+          <p:cNvPr id="10" name="Oval 9"/>
+          <p:cNvSpPr/>
+          <p:nvPr/>
+        </p:nvSpPr>
+        <p:spPr>
+          <a:xfrm>
+            <a:off x="3720032" y="1959949"/>
+            <a:ext cx="63374" cy="63374"/>
+          </a:xfrm>
+          <a:prstGeom prst="ellipse">
+            <a:avLst/>
+          </a:prstGeom>
+        </p:spPr>
+        <p:style>
+          <a:lnRef idx="2">
+            <a:schemeClr val="accent1">
+              <a:shade val="50000"/>
+            </a:schemeClr>
+          </a:lnRef>
+          <a:fillRef idx="1">
+            <a:schemeClr val="accent1"/>
+          </a:fillRef>
+          <a:effectRef idx="0">
+            <a:schemeClr val="accent1"/>
+          </a:effectRef>
+          <a:fontRef idx="minor">
+            <a:schemeClr val="lt1"/>
+          </a:fontRef>
+        </p:style>
+        <p:txBody>
+          <a:bodyPr rtlCol="0" anchor="ctr"/>
+          <a:lstStyle/>
+          <a:p>
+            <a:pPr algn="ctr"/>
+            <a:endParaRPr lang="en-US"/>
+          </a:p>
+        </p:txBody>
+      </p:sp>
+      <p:sp>
+        <p:nvSpPr>
+          <p:cNvPr id="11" name="Oval 10"/>
+          <p:cNvSpPr/>
+          <p:nvPr/>
+        </p:nvSpPr>
+        <p:spPr>
+          <a:xfrm>
+            <a:off x="4381689" y="1959949"/>
+            <a:ext cx="63374" cy="63374"/>
+          </a:xfrm>
+          <a:prstGeom prst="ellipse">
+            <a:avLst/>
+          </a:prstGeom>
+        </p:spPr>
+        <p:style>
+          <a:lnRef idx="2">
+            <a:schemeClr val="accent1">
+              <a:shade val="50000"/>
+            </a:schemeClr>
+          </a:lnRef>
+          <a:fillRef idx="1">
+            <a:schemeClr val="accent1"/>
+          </a:fillRef>
+          <a:effectRef idx="0">
+            <a:schemeClr val="accent1"/>
+          </a:effectRef>
+          <a:fontRef idx="minor">
+            <a:schemeClr val="lt1"/>
+          </a:fontRef>
+        </p:style>
+        <p:txBody>
+          <a:bodyPr rtlCol="0" anchor="ctr"/>
+          <a:lstStyle/>
+          <a:p>
+            <a:pPr algn="ctr"/>
+            <a:endParaRPr lang="en-US"/>
+          </a:p>
+        </p:txBody>
+      </p:sp>
+      <p:sp>
+        <p:nvSpPr>
+          <p:cNvPr id="12" name="Oval 11"/>
+          <p:cNvSpPr/>
+          <p:nvPr/>
+        </p:nvSpPr>
+        <p:spPr>
+          <a:xfrm>
+            <a:off x="4796640" y="1602337"/>
+            <a:ext cx="63374" cy="63374"/>
+          </a:xfrm>
+          <a:prstGeom prst="ellipse">
+            <a:avLst/>
+          </a:prstGeom>
+        </p:spPr>
+        <p:style>
+          <a:lnRef idx="2">
+            <a:schemeClr val="accent1">
+              <a:shade val="50000"/>
+            </a:schemeClr>
+          </a:lnRef>
+          <a:fillRef idx="1">
+            <a:schemeClr val="accent1"/>
+          </a:fillRef>
+          <a:effectRef idx="0">
+            <a:schemeClr val="accent1"/>
+          </a:effectRef>
+          <a:fontRef idx="minor">
+            <a:schemeClr val="lt1"/>
+          </a:fontRef>
+        </p:style>
+        <p:txBody>
+          <a:bodyPr rtlCol="0" anchor="ctr"/>
+          <a:lstStyle/>
+          <a:p>
+            <a:pPr algn="ctr"/>
+            <a:endParaRPr lang="en-US"/>
+          </a:p>
+        </p:txBody>
+      </p:sp>
+      <p:sp>
+        <p:nvSpPr>
+          <p:cNvPr id="13" name="Oval 12"/>
+          <p:cNvSpPr/>
+          <p:nvPr/>
+        </p:nvSpPr>
+        <p:spPr>
+          <a:xfrm>
+            <a:off x="4860014" y="2789850"/>
+            <a:ext cx="63374" cy="63374"/>
+          </a:xfrm>
+          <a:prstGeom prst="ellipse">
+            <a:avLst/>
+          </a:prstGeom>
+        </p:spPr>
+        <p:style>
+          <a:lnRef idx="2">
+            <a:schemeClr val="accent1">
+              <a:shade val="50000"/>
+            </a:schemeClr>
+          </a:lnRef>
+          <a:fillRef idx="1">
+            <a:schemeClr val="accent1"/>
+          </a:fillRef>
+          <a:effectRef idx="0">
+            <a:schemeClr val="accent1"/>
+          </a:effectRef>
+          <a:fontRef idx="minor">
+            <a:schemeClr val="lt1"/>
+          </a:fontRef>
+        </p:style>
+        <p:txBody>
+          <a:bodyPr rtlCol="0" anchor="ctr"/>
+          <a:lstStyle/>
+          <a:p>
+            <a:pPr algn="ctr"/>
+            <a:endParaRPr lang="en-US"/>
+          </a:p>
+        </p:txBody>
+      </p:sp>
+      <p:sp>
+        <p:nvSpPr>
+          <p:cNvPr id="14" name="Oval 13"/>
+          <p:cNvSpPr/>
+          <p:nvPr/>
+        </p:nvSpPr>
+        <p:spPr>
+          <a:xfrm>
+            <a:off x="4099523" y="1449937"/>
+            <a:ext cx="63374" cy="63374"/>
+          </a:xfrm>
+          <a:prstGeom prst="ellipse">
+            <a:avLst/>
+          </a:prstGeom>
+        </p:spPr>
+        <p:style>
+          <a:lnRef idx="2">
+            <a:schemeClr val="accent1">
+              <a:shade val="50000"/>
+            </a:schemeClr>
+          </a:lnRef>
+          <a:fillRef idx="1">
+            <a:schemeClr val="accent1"/>
+          </a:fillRef>
+          <a:effectRef idx="0">
+            <a:schemeClr val="accent1"/>
+          </a:effectRef>
+          <a:fontRef idx="minor">
+            <a:schemeClr val="lt1"/>
+          </a:fontRef>
+        </p:style>
+        <p:txBody>
+          <a:bodyPr rtlCol="0" anchor="ctr"/>
+          <a:lstStyle/>
+          <a:p>
+            <a:pPr algn="ctr"/>
+            <a:endParaRPr lang="en-US"/>
+          </a:p>
+        </p:txBody>
+      </p:sp>
+      <p:sp>
+        <p:nvSpPr>
+          <p:cNvPr id="15" name="Oval 14"/>
+          <p:cNvSpPr/>
+          <p:nvPr/>
+        </p:nvSpPr>
+        <p:spPr>
+          <a:xfrm>
+            <a:off x="4298699" y="3048692"/>
+            <a:ext cx="63374" cy="63374"/>
+          </a:xfrm>
+          <a:prstGeom prst="ellipse">
+            <a:avLst/>
+          </a:prstGeom>
+        </p:spPr>
+        <p:style>
+          <a:lnRef idx="2">
+            <a:schemeClr val="accent1">
+              <a:shade val="50000"/>
+            </a:schemeClr>
+          </a:lnRef>
+          <a:fillRef idx="1">
+            <a:schemeClr val="accent1"/>
+          </a:fillRef>
+          <a:effectRef idx="0">
+            <a:schemeClr val="accent1"/>
+          </a:effectRef>
+          <a:fontRef idx="minor">
+            <a:schemeClr val="lt1"/>
+          </a:fontRef>
+        </p:style>
+        <p:txBody>
+          <a:bodyPr rtlCol="0" anchor="ctr"/>
+          <a:lstStyle/>
+          <a:p>
+            <a:pPr algn="ctr"/>
+            <a:endParaRPr lang="en-US"/>
+          </a:p>
+        </p:txBody>
+      </p:sp>
+      <p:sp>
+        <p:nvSpPr>
+          <p:cNvPr id="16" name="Oval 15"/>
+          <p:cNvSpPr/>
+          <p:nvPr/>
+        </p:nvSpPr>
+        <p:spPr>
+          <a:xfrm>
+            <a:off x="4235325" y="2201375"/>
+            <a:ext cx="91440" cy="91440"/>
+          </a:xfrm>
+          <a:prstGeom prst="ellipse">
+            <a:avLst/>
+          </a:prstGeom>
+        </p:spPr>
+        <p:style>
+          <a:lnRef idx="2">
+            <a:schemeClr val="accent2">
+              <a:shade val="50000"/>
+            </a:schemeClr>
+          </a:lnRef>
+          <a:fillRef idx="1">
+            <a:schemeClr val="accent2"/>
+          </a:fillRef>
+          <a:effectRef idx="0">
+            <a:schemeClr val="accent2"/>
+          </a:effectRef>
+          <a:fontRef idx="minor">
+            <a:schemeClr val="lt1"/>
+          </a:fontRef>
+        </p:style>
+        <p:txBody>
+          <a:bodyPr rtlCol="0" anchor="ctr"/>
+          <a:lstStyle/>
+          <a:p>
+            <a:pPr algn="ctr"/>
+            <a:endParaRPr lang="en-US"/>
+          </a:p>
+        </p:txBody>
+      </p:sp>
+      <p:sp>
+        <p:nvSpPr>
+          <p:cNvPr id="17" name="TextBox 16"/>
+          <p:cNvSpPr txBox="1"/>
+          <p:nvPr/>
+        </p:nvSpPr>
+        <p:spPr>
+          <a:xfrm>
+            <a:off x="3943350" y="2292815"/>
+            <a:ext cx="837446" cy="276999"/>
+          </a:xfrm>
+          <a:prstGeom prst="rect">
+            <a:avLst/>
+          </a:prstGeom>
+          <a:noFill/>
+        </p:spPr>
+        <p:txBody>
+          <a:bodyPr wrap="square" rtlCol="0">
+            <a:spAutoFit/>
+          </a:bodyPr>
+          <a:lstStyle/>
+          <a:p>
+            <a:r>
+              <a:rPr lang="en-US" sz="1200" dirty="0" smtClean="0"/>
+              <a:t>Centroid 1</a:t>
+            </a:r>
+            <a:endParaRPr lang="en-US" sz="1200" dirty="0"/>
+          </a:p>
+        </p:txBody>
+      </p:sp>
+      <p:sp>
+        <p:nvSpPr>
+          <p:cNvPr id="18" name="TextBox 17"/>
+          <p:cNvSpPr txBox="1"/>
+          <p:nvPr/>
+        </p:nvSpPr>
+        <p:spPr>
+          <a:xfrm>
+            <a:off x="3438997" y="1133444"/>
+            <a:ext cx="837446" cy="276999"/>
+          </a:xfrm>
+          <a:prstGeom prst="rect">
+            <a:avLst/>
+          </a:prstGeom>
+          <a:noFill/>
+        </p:spPr>
+        <p:txBody>
+          <a:bodyPr wrap="square" rtlCol="0">
+            <a:spAutoFit/>
+          </a:bodyPr>
+          <a:lstStyle/>
+          <a:p>
+            <a:r>
+              <a:rPr lang="en-US" sz="1200" dirty="0" smtClean="0"/>
+              <a:t>Partition 1</a:t>
+            </a:r>
+            <a:endParaRPr lang="en-US" sz="1200" dirty="0"/>
+          </a:p>
+        </p:txBody>
+      </p:sp>
+      <p:sp>
+        <p:nvSpPr>
+          <p:cNvPr id="19" name="Oval 18"/>
+          <p:cNvSpPr/>
+          <p:nvPr/>
+        </p:nvSpPr>
+        <p:spPr>
+          <a:xfrm>
+            <a:off x="2990472" y="4137856"/>
+            <a:ext cx="63374" cy="63374"/>
+          </a:xfrm>
+          <a:prstGeom prst="ellipse">
+            <a:avLst/>
+          </a:prstGeom>
+        </p:spPr>
+        <p:style>
+          <a:lnRef idx="2">
+            <a:schemeClr val="accent6">
+              <a:shade val="50000"/>
+            </a:schemeClr>
+          </a:lnRef>
+          <a:fillRef idx="1">
+            <a:schemeClr val="accent6"/>
+          </a:fillRef>
+          <a:effectRef idx="0">
+            <a:schemeClr val="accent6"/>
+          </a:effectRef>
+          <a:fontRef idx="minor">
+            <a:schemeClr val="lt1"/>
+          </a:fontRef>
+        </p:style>
+        <p:txBody>
+          <a:bodyPr rtlCol="0" anchor="ctr"/>
+          <a:lstStyle/>
+          <a:p>
+            <a:pPr algn="ctr"/>
+            <a:endParaRPr lang="en-US"/>
+          </a:p>
+        </p:txBody>
+      </p:sp>
+      <p:sp>
+        <p:nvSpPr>
+          <p:cNvPr id="20" name="Oval 19"/>
+          <p:cNvSpPr/>
+          <p:nvPr/>
+        </p:nvSpPr>
+        <p:spPr>
+          <a:xfrm>
+            <a:off x="3866112" y="5029167"/>
+            <a:ext cx="63374" cy="63374"/>
+          </a:xfrm>
+          <a:prstGeom prst="ellipse">
+            <a:avLst/>
+          </a:prstGeom>
+        </p:spPr>
+        <p:style>
+          <a:lnRef idx="2">
+            <a:schemeClr val="accent6">
+              <a:shade val="50000"/>
+            </a:schemeClr>
+          </a:lnRef>
+          <a:fillRef idx="1">
+            <a:schemeClr val="accent6"/>
+          </a:fillRef>
+          <a:effectRef idx="0">
+            <a:schemeClr val="accent6"/>
+          </a:effectRef>
+          <a:fontRef idx="minor">
+            <a:schemeClr val="lt1"/>
+          </a:fontRef>
+        </p:style>
+        <p:txBody>
+          <a:bodyPr rtlCol="0" anchor="ctr"/>
+          <a:lstStyle/>
+          <a:p>
+            <a:pPr algn="ctr"/>
+            <a:endParaRPr lang="en-US"/>
+          </a:p>
+        </p:txBody>
+      </p:sp>
+      <p:sp>
+        <p:nvSpPr>
+          <p:cNvPr id="21" name="Oval 20"/>
+          <p:cNvSpPr/>
+          <p:nvPr/>
+        </p:nvSpPr>
+        <p:spPr>
+          <a:xfrm>
+            <a:off x="3355537" y="4967220"/>
+            <a:ext cx="63374" cy="63374"/>
+          </a:xfrm>
+          <a:prstGeom prst="ellipse">
+            <a:avLst/>
+          </a:prstGeom>
+        </p:spPr>
+        <p:style>
+          <a:lnRef idx="2">
+            <a:schemeClr val="accent6">
+              <a:shade val="50000"/>
+            </a:schemeClr>
+          </a:lnRef>
+          <a:fillRef idx="1">
+            <a:schemeClr val="accent6"/>
+          </a:fillRef>
+          <a:effectRef idx="0">
+            <a:schemeClr val="accent6"/>
+          </a:effectRef>
+          <a:fontRef idx="minor">
+            <a:schemeClr val="lt1"/>
+          </a:fontRef>
+        </p:style>
+        <p:txBody>
+          <a:bodyPr rtlCol="0" anchor="ctr"/>
+          <a:lstStyle/>
+          <a:p>
+            <a:pPr algn="ctr"/>
+            <a:endParaRPr lang="en-US"/>
+          </a:p>
+        </p:txBody>
+      </p:sp>
+      <p:sp>
+        <p:nvSpPr>
+          <p:cNvPr id="22" name="Oval 21"/>
+          <p:cNvSpPr/>
+          <p:nvPr/>
+        </p:nvSpPr>
+        <p:spPr>
+          <a:xfrm>
+            <a:off x="2939076" y="4724096"/>
+            <a:ext cx="63374" cy="63374"/>
+          </a:xfrm>
+          <a:prstGeom prst="ellipse">
+            <a:avLst/>
+          </a:prstGeom>
+        </p:spPr>
+        <p:style>
+          <a:lnRef idx="2">
+            <a:schemeClr val="accent6">
+              <a:shade val="50000"/>
+            </a:schemeClr>
+          </a:lnRef>
+          <a:fillRef idx="1">
+            <a:schemeClr val="accent6"/>
+          </a:fillRef>
+          <a:effectRef idx="0">
+            <a:schemeClr val="accent6"/>
+          </a:effectRef>
+          <a:fontRef idx="minor">
+            <a:schemeClr val="lt1"/>
+          </a:fontRef>
+        </p:style>
+        <p:txBody>
+          <a:bodyPr rtlCol="0" anchor="ctr"/>
+          <a:lstStyle/>
+          <a:p>
+            <a:pPr algn="ctr"/>
+            <a:endParaRPr lang="en-US"/>
+          </a:p>
+        </p:txBody>
+      </p:sp>
+      <p:sp>
+        <p:nvSpPr>
+          <p:cNvPr id="23" name="Oval 22"/>
+          <p:cNvSpPr/>
+          <p:nvPr/>
+        </p:nvSpPr>
+        <p:spPr>
+          <a:xfrm>
+            <a:off x="3254627" y="4034841"/>
+            <a:ext cx="63374" cy="63374"/>
+          </a:xfrm>
+          <a:prstGeom prst="ellipse">
+            <a:avLst/>
+          </a:prstGeom>
+        </p:spPr>
+        <p:style>
+          <a:lnRef idx="2">
+            <a:schemeClr val="accent6">
+              <a:shade val="50000"/>
+            </a:schemeClr>
+          </a:lnRef>
+          <a:fillRef idx="1">
+            <a:schemeClr val="accent6"/>
+          </a:fillRef>
+          <a:effectRef idx="0">
+            <a:schemeClr val="accent6"/>
+          </a:effectRef>
+          <a:fontRef idx="minor">
+            <a:schemeClr val="lt1"/>
+          </a:fontRef>
+        </p:style>
+        <p:txBody>
+          <a:bodyPr rtlCol="0" anchor="ctr"/>
+          <a:lstStyle/>
+          <a:p>
+            <a:pPr algn="ctr"/>
+            <a:endParaRPr lang="en-US"/>
+          </a:p>
+        </p:txBody>
+      </p:sp>
+      <p:sp>
+        <p:nvSpPr>
+          <p:cNvPr id="24" name="Oval 23"/>
+          <p:cNvSpPr/>
+          <p:nvPr/>
+        </p:nvSpPr>
+        <p:spPr>
+          <a:xfrm>
+            <a:off x="3953818" y="4246147"/>
+            <a:ext cx="63374" cy="63374"/>
+          </a:xfrm>
+          <a:prstGeom prst="ellipse">
+            <a:avLst/>
+          </a:prstGeom>
+        </p:spPr>
+        <p:style>
+          <a:lnRef idx="2">
+            <a:schemeClr val="accent6">
+              <a:shade val="50000"/>
+            </a:schemeClr>
+          </a:lnRef>
+          <a:fillRef idx="1">
+            <a:schemeClr val="accent6"/>
+          </a:fillRef>
+          <a:effectRef idx="0">
+            <a:schemeClr val="accent6"/>
+          </a:effectRef>
+          <a:fontRef idx="minor">
+            <a:schemeClr val="lt1"/>
+          </a:fontRef>
+        </p:style>
+        <p:txBody>
+          <a:bodyPr rtlCol="0" anchor="ctr"/>
+          <a:lstStyle/>
+          <a:p>
+            <a:pPr algn="ctr"/>
+            <a:endParaRPr lang="en-US"/>
+          </a:p>
+        </p:txBody>
+      </p:sp>
+      <p:sp>
+        <p:nvSpPr>
+          <p:cNvPr id="25" name="Oval 24"/>
+          <p:cNvSpPr/>
+          <p:nvPr/>
+        </p:nvSpPr>
+        <p:spPr>
+          <a:xfrm>
+            <a:off x="3580647" y="4186304"/>
+            <a:ext cx="63374" cy="63374"/>
+          </a:xfrm>
+          <a:prstGeom prst="ellipse">
+            <a:avLst/>
+          </a:prstGeom>
+        </p:spPr>
+        <p:style>
+          <a:lnRef idx="2">
+            <a:schemeClr val="accent6">
+              <a:shade val="50000"/>
+            </a:schemeClr>
+          </a:lnRef>
+          <a:fillRef idx="1">
+            <a:schemeClr val="accent6"/>
+          </a:fillRef>
+          <a:effectRef idx="0">
+            <a:schemeClr val="accent6"/>
+          </a:effectRef>
+          <a:fontRef idx="minor">
+            <a:schemeClr val="lt1"/>
+          </a:fontRef>
+        </p:style>
+        <p:txBody>
+          <a:bodyPr rtlCol="0" anchor="ctr"/>
+          <a:lstStyle/>
+          <a:p>
+            <a:pPr algn="ctr"/>
+            <a:endParaRPr lang="en-US"/>
+          </a:p>
+        </p:txBody>
+      </p:sp>
+      <p:sp>
+        <p:nvSpPr>
+          <p:cNvPr id="26" name="Oval 25"/>
+          <p:cNvSpPr/>
+          <p:nvPr/>
+        </p:nvSpPr>
+        <p:spPr>
+          <a:xfrm>
+            <a:off x="3802738" y="5476444"/>
+            <a:ext cx="63374" cy="63374"/>
+          </a:xfrm>
+          <a:prstGeom prst="ellipse">
+            <a:avLst/>
+          </a:prstGeom>
+        </p:spPr>
+        <p:style>
+          <a:lnRef idx="2">
+            <a:schemeClr val="accent6">
+              <a:shade val="50000"/>
+            </a:schemeClr>
+          </a:lnRef>
+          <a:fillRef idx="1">
+            <a:schemeClr val="accent6"/>
+          </a:fillRef>
+          <a:effectRef idx="0">
+            <a:schemeClr val="accent6"/>
+          </a:effectRef>
+          <a:fontRef idx="minor">
+            <a:schemeClr val="lt1"/>
+          </a:fontRef>
+        </p:style>
+        <p:txBody>
+          <a:bodyPr rtlCol="0" anchor="ctr"/>
+          <a:lstStyle/>
+          <a:p>
+            <a:pPr algn="ctr"/>
+            <a:endParaRPr lang="en-US"/>
+          </a:p>
+        </p:txBody>
+      </p:sp>
+      <p:sp>
+        <p:nvSpPr>
+          <p:cNvPr id="27" name="Oval 26"/>
+          <p:cNvSpPr/>
+          <p:nvPr/>
+        </p:nvSpPr>
+        <p:spPr>
+          <a:xfrm>
+            <a:off x="3621860" y="3735395"/>
+            <a:ext cx="63374" cy="63374"/>
+          </a:xfrm>
+          <a:prstGeom prst="ellipse">
+            <a:avLst/>
+          </a:prstGeom>
+        </p:spPr>
+        <p:style>
+          <a:lnRef idx="2">
+            <a:schemeClr val="accent6">
+              <a:shade val="50000"/>
+            </a:schemeClr>
+          </a:lnRef>
+          <a:fillRef idx="1">
+            <a:schemeClr val="accent6"/>
+          </a:fillRef>
+          <a:effectRef idx="0">
+            <a:schemeClr val="accent6"/>
+          </a:effectRef>
+          <a:fontRef idx="minor">
+            <a:schemeClr val="lt1"/>
+          </a:fontRef>
+        </p:style>
+        <p:txBody>
+          <a:bodyPr rtlCol="0" anchor="ctr"/>
+          <a:lstStyle/>
+          <a:p>
+            <a:pPr algn="ctr"/>
+            <a:endParaRPr lang="en-US"/>
+          </a:p>
+        </p:txBody>
+      </p:sp>
+      <p:sp>
+        <p:nvSpPr>
+          <p:cNvPr id="28" name="Oval 27"/>
+          <p:cNvSpPr/>
+          <p:nvPr/>
+        </p:nvSpPr>
+        <p:spPr>
+          <a:xfrm>
+            <a:off x="3063750" y="5403452"/>
+            <a:ext cx="63374" cy="63374"/>
+          </a:xfrm>
+          <a:prstGeom prst="ellipse">
+            <a:avLst/>
+          </a:prstGeom>
+        </p:spPr>
+        <p:style>
+          <a:lnRef idx="2">
+            <a:schemeClr val="accent6">
+              <a:shade val="50000"/>
+            </a:schemeClr>
+          </a:lnRef>
+          <a:fillRef idx="1">
+            <a:schemeClr val="accent6"/>
+          </a:fillRef>
+          <a:effectRef idx="0">
+            <a:schemeClr val="accent6"/>
+          </a:effectRef>
+          <a:fontRef idx="minor">
+            <a:schemeClr val="lt1"/>
+          </a:fontRef>
+        </p:style>
+        <p:txBody>
+          <a:bodyPr rtlCol="0" anchor="ctr"/>
+          <a:lstStyle/>
+          <a:p>
+            <a:pPr algn="ctr"/>
+            <a:endParaRPr lang="en-US"/>
+          </a:p>
+        </p:txBody>
+      </p:sp>
+      <p:sp>
+        <p:nvSpPr>
+          <p:cNvPr id="29" name="Oval 28"/>
+          <p:cNvSpPr/>
+          <p:nvPr/>
+        </p:nvSpPr>
+        <p:spPr>
+          <a:xfrm>
+            <a:off x="3390429" y="4492761"/>
+            <a:ext cx="91440" cy="91440"/>
+          </a:xfrm>
+          <a:prstGeom prst="ellipse">
+            <a:avLst/>
+          </a:prstGeom>
+        </p:spPr>
+        <p:style>
+          <a:lnRef idx="2">
+            <a:schemeClr val="accent2">
+              <a:shade val="50000"/>
+            </a:schemeClr>
+          </a:lnRef>
+          <a:fillRef idx="1">
+            <a:schemeClr val="accent2"/>
+          </a:fillRef>
+          <a:effectRef idx="0">
+            <a:schemeClr val="accent2"/>
+          </a:effectRef>
+          <a:fontRef idx="minor">
+            <a:schemeClr val="lt1"/>
+          </a:fontRef>
+        </p:style>
+        <p:txBody>
+          <a:bodyPr rtlCol="0" anchor="ctr"/>
+          <a:lstStyle/>
+          <a:p>
+            <a:pPr algn="ctr"/>
+            <a:endParaRPr lang="en-US"/>
+          </a:p>
+        </p:txBody>
+      </p:sp>
+      <p:sp>
+        <p:nvSpPr>
+          <p:cNvPr id="30" name="TextBox 29"/>
+          <p:cNvSpPr txBox="1"/>
+          <p:nvPr/>
+        </p:nvSpPr>
+        <p:spPr>
+          <a:xfrm>
+            <a:off x="3098454" y="4584201"/>
+            <a:ext cx="837446" cy="276999"/>
+          </a:xfrm>
+          <a:prstGeom prst="rect">
+            <a:avLst/>
+          </a:prstGeom>
+          <a:noFill/>
+        </p:spPr>
+        <p:txBody>
+          <a:bodyPr wrap="square" rtlCol="0">
+            <a:spAutoFit/>
+          </a:bodyPr>
+          <a:lstStyle/>
+          <a:p>
+            <a:r>
+              <a:rPr lang="en-US" sz="1200" dirty="0" smtClean="0"/>
+              <a:t>Centroid 2</a:t>
+            </a:r>
+            <a:endParaRPr lang="en-US" sz="1200" dirty="0"/>
+          </a:p>
+        </p:txBody>
+      </p:sp>
+      <p:sp>
+        <p:nvSpPr>
+          <p:cNvPr id="31" name="TextBox 30"/>
+          <p:cNvSpPr txBox="1"/>
+          <p:nvPr/>
+        </p:nvSpPr>
+        <p:spPr>
+          <a:xfrm>
+            <a:off x="2743201" y="3638179"/>
+            <a:ext cx="837446" cy="276999"/>
+          </a:xfrm>
+          <a:prstGeom prst="rect">
+            <a:avLst/>
+          </a:prstGeom>
+          <a:noFill/>
+        </p:spPr>
+        <p:txBody>
+          <a:bodyPr wrap="square" rtlCol="0">
+            <a:spAutoFit/>
+          </a:bodyPr>
+          <a:lstStyle/>
+          <a:p>
+            <a:r>
+              <a:rPr lang="en-US" sz="1200" dirty="0" smtClean="0"/>
+              <a:t>Partition 2</a:t>
+            </a:r>
+            <a:endParaRPr lang="en-US" sz="1200" dirty="0"/>
+          </a:p>
+        </p:txBody>
+      </p:sp>
+      <p:sp>
+        <p:nvSpPr>
+          <p:cNvPr id="32" name="Oval 31"/>
+          <p:cNvSpPr/>
+          <p:nvPr/>
+        </p:nvSpPr>
+        <p:spPr>
+          <a:xfrm>
+            <a:off x="4162897" y="2759605"/>
+            <a:ext cx="91440" cy="91440"/>
+          </a:xfrm>
+          <a:prstGeom prst="ellipse">
+            <a:avLst/>
+          </a:prstGeom>
+        </p:spPr>
+        <p:style>
+          <a:lnRef idx="2">
+            <a:schemeClr val="accent4">
+              <a:shade val="50000"/>
+            </a:schemeClr>
+          </a:lnRef>
+          <a:fillRef idx="1">
+            <a:schemeClr val="accent4"/>
+          </a:fillRef>
+          <a:effectRef idx="0">
+            <a:schemeClr val="accent4"/>
+          </a:effectRef>
+          <a:fontRef idx="minor">
+            <a:schemeClr val="lt1"/>
+          </a:fontRef>
+        </p:style>
+        <p:txBody>
+          <a:bodyPr rtlCol="0" anchor="ctr"/>
+          <a:lstStyle/>
+          <a:p>
+            <a:pPr algn="ctr"/>
+            <a:endParaRPr lang="en-US"/>
+          </a:p>
+        </p:txBody>
+      </p:sp>
+      <p:sp>
+        <p:nvSpPr>
+          <p:cNvPr id="33" name="TextBox 32"/>
+          <p:cNvSpPr txBox="1"/>
+          <p:nvPr/>
+        </p:nvSpPr>
+        <p:spPr>
+          <a:xfrm>
+            <a:off x="4218539" y="2665159"/>
+            <a:ext cx="837446" cy="276999"/>
+          </a:xfrm>
+          <a:prstGeom prst="rect">
+            <a:avLst/>
+          </a:prstGeom>
+          <a:noFill/>
+        </p:spPr>
+        <p:txBody>
+          <a:bodyPr wrap="square" rtlCol="0">
+            <a:spAutoFit/>
+          </a:bodyPr>
+          <a:lstStyle/>
+          <a:p>
+            <a:r>
+              <a:rPr lang="en-US" sz="1200" dirty="0" smtClean="0"/>
+              <a:t>Query</a:t>
+            </a:r>
+            <a:endParaRPr lang="en-US" sz="1200" dirty="0"/>
+          </a:p>
+        </p:txBody>
+      </p:sp>
+    </p:spTree>
+    <p:extLst>
+      <p:ext uri="{BB962C8B-B14F-4D97-AF65-F5344CB8AC3E}">
+        <p14:creationId xmlns:p14="http://schemas.microsoft.com/office/powerpoint/2010/main" val="300963796"/>
+      </p:ext>
+    </p:extLst>
+  </p:cSld>
+  <p:clrMapOvr>
+    <a:masterClrMapping/>
+  </p:clrMapOvr>
+</p:sld>
+</file>
+
 <file path=ppt/theme/theme1.xml><?xml version="1.0" encoding="utf-8"?>
 <a:theme xmlns:a="http://schemas.openxmlformats.org/drawingml/2006/main" name="Office Theme">
   <a:themeElements>
